--- a/Sleeping_Analysis 2주차.pptx
+++ b/Sleeping_Analysis 2주차.pptx
@@ -11,6 +11,7 @@
     <p:sldId id="258" r:id="rId5"/>
     <p:sldId id="260" r:id="rId6"/>
     <p:sldId id="261" r:id="rId7"/>
+    <p:sldId id="262" r:id="rId8"/>
   </p:sldIdLst>
   <p:sldSz cx="9144000" cy="6858000" type="screen4x3"/>
   <p:notesSz cx="6858000" cy="9144000"/>
@@ -111,7 +112,7 @@
   </p:defaultTextStyle>
   <p:extLst>
     <p:ext uri="{EFAFB233-063F-42B5-8137-9DF3F51BA10A}">
-      <p15:sldGuideLst xmlns:p15="http://schemas.microsoft.com/office/powerpoint/2012/main">
+      <p15:sldGuideLst xmlns:p15="http://schemas.microsoft.com/office/powerpoint/2012/main" xmlns="">
         <p15:guide id="1" orient="horz" pos="2160">
           <p15:clr>
             <a:srgbClr val="A4A3A4"/>
@@ -309,7 +310,8 @@
           <a:p>
             <a:fld id="{1AC90F4A-AB0E-4670-89B1-A0DAF52731A9}" type="datetimeFigureOut">
               <a:rPr lang="ko-KR" altLang="en-US" smtClean="0"/>
-              <a:t>2019-11-25</a:t>
+              <a:pPr/>
+              <a:t>2019-11-26</a:t>
             </a:fld>
             <a:endParaRPr lang="ko-KR" altLang="en-US"/>
           </a:p>
@@ -351,6 +353,7 @@
           <a:p>
             <a:fld id="{D68A3523-22AE-4F7D-93FD-290716C6B922}" type="slidenum">
               <a:rPr lang="ko-KR" altLang="en-US" smtClean="0"/>
+              <a:pPr/>
               <a:t>‹#›</a:t>
             </a:fld>
             <a:endParaRPr lang="ko-KR" altLang="en-US"/>
@@ -474,7 +477,8 @@
           <a:p>
             <a:fld id="{1AC90F4A-AB0E-4670-89B1-A0DAF52731A9}" type="datetimeFigureOut">
               <a:rPr lang="ko-KR" altLang="en-US" smtClean="0"/>
-              <a:t>2019-11-25</a:t>
+              <a:pPr/>
+              <a:t>2019-11-26</a:t>
             </a:fld>
             <a:endParaRPr lang="ko-KR" altLang="en-US"/>
           </a:p>
@@ -516,6 +520,7 @@
           <a:p>
             <a:fld id="{D68A3523-22AE-4F7D-93FD-290716C6B922}" type="slidenum">
               <a:rPr lang="ko-KR" altLang="en-US" smtClean="0"/>
+              <a:pPr/>
               <a:t>‹#›</a:t>
             </a:fld>
             <a:endParaRPr lang="ko-KR" altLang="en-US"/>
@@ -649,7 +654,8 @@
           <a:p>
             <a:fld id="{1AC90F4A-AB0E-4670-89B1-A0DAF52731A9}" type="datetimeFigureOut">
               <a:rPr lang="ko-KR" altLang="en-US" smtClean="0"/>
-              <a:t>2019-11-25</a:t>
+              <a:pPr/>
+              <a:t>2019-11-26</a:t>
             </a:fld>
             <a:endParaRPr lang="ko-KR" altLang="en-US"/>
           </a:p>
@@ -691,6 +697,7 @@
           <a:p>
             <a:fld id="{D68A3523-22AE-4F7D-93FD-290716C6B922}" type="slidenum">
               <a:rPr lang="ko-KR" altLang="en-US" smtClean="0"/>
+              <a:pPr/>
               <a:t>‹#›</a:t>
             </a:fld>
             <a:endParaRPr lang="ko-KR" altLang="en-US"/>
@@ -814,7 +821,8 @@
           <a:p>
             <a:fld id="{1AC90F4A-AB0E-4670-89B1-A0DAF52731A9}" type="datetimeFigureOut">
               <a:rPr lang="ko-KR" altLang="en-US" smtClean="0"/>
-              <a:t>2019-11-25</a:t>
+              <a:pPr/>
+              <a:t>2019-11-26</a:t>
             </a:fld>
             <a:endParaRPr lang="ko-KR" altLang="en-US"/>
           </a:p>
@@ -856,6 +864,7 @@
           <a:p>
             <a:fld id="{D68A3523-22AE-4F7D-93FD-290716C6B922}" type="slidenum">
               <a:rPr lang="ko-KR" altLang="en-US" smtClean="0"/>
+              <a:pPr/>
               <a:t>‹#›</a:t>
             </a:fld>
             <a:endParaRPr lang="ko-KR" altLang="en-US"/>
@@ -1055,7 +1064,8 @@
           <a:p>
             <a:fld id="{1AC90F4A-AB0E-4670-89B1-A0DAF52731A9}" type="datetimeFigureOut">
               <a:rPr lang="ko-KR" altLang="en-US" smtClean="0"/>
-              <a:t>2019-11-25</a:t>
+              <a:pPr/>
+              <a:t>2019-11-26</a:t>
             </a:fld>
             <a:endParaRPr lang="ko-KR" altLang="en-US"/>
           </a:p>
@@ -1097,6 +1107,7 @@
           <a:p>
             <a:fld id="{D68A3523-22AE-4F7D-93FD-290716C6B922}" type="slidenum">
               <a:rPr lang="ko-KR" altLang="en-US" smtClean="0"/>
+              <a:pPr/>
               <a:t>‹#›</a:t>
             </a:fld>
             <a:endParaRPr lang="ko-KR" altLang="en-US"/>
@@ -1338,7 +1349,8 @@
           <a:p>
             <a:fld id="{1AC90F4A-AB0E-4670-89B1-A0DAF52731A9}" type="datetimeFigureOut">
               <a:rPr lang="ko-KR" altLang="en-US" smtClean="0"/>
-              <a:t>2019-11-25</a:t>
+              <a:pPr/>
+              <a:t>2019-11-26</a:t>
             </a:fld>
             <a:endParaRPr lang="ko-KR" altLang="en-US"/>
           </a:p>
@@ -1380,6 +1392,7 @@
           <a:p>
             <a:fld id="{D68A3523-22AE-4F7D-93FD-290716C6B922}" type="slidenum">
               <a:rPr lang="ko-KR" altLang="en-US" smtClean="0"/>
+              <a:pPr/>
               <a:t>‹#›</a:t>
             </a:fld>
             <a:endParaRPr lang="ko-KR" altLang="en-US"/>
@@ -1755,7 +1768,8 @@
           <a:p>
             <a:fld id="{1AC90F4A-AB0E-4670-89B1-A0DAF52731A9}" type="datetimeFigureOut">
               <a:rPr lang="ko-KR" altLang="en-US" smtClean="0"/>
-              <a:t>2019-11-25</a:t>
+              <a:pPr/>
+              <a:t>2019-11-26</a:t>
             </a:fld>
             <a:endParaRPr lang="ko-KR" altLang="en-US"/>
           </a:p>
@@ -1797,6 +1811,7 @@
           <a:p>
             <a:fld id="{D68A3523-22AE-4F7D-93FD-290716C6B922}" type="slidenum">
               <a:rPr lang="ko-KR" altLang="en-US" smtClean="0"/>
+              <a:pPr/>
               <a:t>‹#›</a:t>
             </a:fld>
             <a:endParaRPr lang="ko-KR" altLang="en-US"/>
@@ -1868,7 +1883,8 @@
           <a:p>
             <a:fld id="{1AC90F4A-AB0E-4670-89B1-A0DAF52731A9}" type="datetimeFigureOut">
               <a:rPr lang="ko-KR" altLang="en-US" smtClean="0"/>
-              <a:t>2019-11-25</a:t>
+              <a:pPr/>
+              <a:t>2019-11-26</a:t>
             </a:fld>
             <a:endParaRPr lang="ko-KR" altLang="en-US"/>
           </a:p>
@@ -1910,6 +1926,7 @@
           <a:p>
             <a:fld id="{D68A3523-22AE-4F7D-93FD-290716C6B922}" type="slidenum">
               <a:rPr lang="ko-KR" altLang="en-US" smtClean="0"/>
+              <a:pPr/>
               <a:t>‹#›</a:t>
             </a:fld>
             <a:endParaRPr lang="ko-KR" altLang="en-US"/>
@@ -1958,7 +1975,8 @@
           <a:p>
             <a:fld id="{1AC90F4A-AB0E-4670-89B1-A0DAF52731A9}" type="datetimeFigureOut">
               <a:rPr lang="ko-KR" altLang="en-US" smtClean="0"/>
-              <a:t>2019-11-25</a:t>
+              <a:pPr/>
+              <a:t>2019-11-26</a:t>
             </a:fld>
             <a:endParaRPr lang="ko-KR" altLang="en-US"/>
           </a:p>
@@ -2000,6 +2018,7 @@
           <a:p>
             <a:fld id="{D68A3523-22AE-4F7D-93FD-290716C6B922}" type="slidenum">
               <a:rPr lang="ko-KR" altLang="en-US" smtClean="0"/>
+              <a:pPr/>
               <a:t>‹#›</a:t>
             </a:fld>
             <a:endParaRPr lang="ko-KR" altLang="en-US"/>
@@ -2230,7 +2249,8 @@
           <a:p>
             <a:fld id="{1AC90F4A-AB0E-4670-89B1-A0DAF52731A9}" type="datetimeFigureOut">
               <a:rPr lang="ko-KR" altLang="en-US" smtClean="0"/>
-              <a:t>2019-11-25</a:t>
+              <a:pPr/>
+              <a:t>2019-11-26</a:t>
             </a:fld>
             <a:endParaRPr lang="ko-KR" altLang="en-US"/>
           </a:p>
@@ -2272,6 +2292,7 @@
           <a:p>
             <a:fld id="{D68A3523-22AE-4F7D-93FD-290716C6B922}" type="slidenum">
               <a:rPr lang="ko-KR" altLang="en-US" smtClean="0"/>
+              <a:pPr/>
               <a:t>‹#›</a:t>
             </a:fld>
             <a:endParaRPr lang="ko-KR" altLang="en-US"/>
@@ -2478,7 +2499,8 @@
           <a:p>
             <a:fld id="{1AC90F4A-AB0E-4670-89B1-A0DAF52731A9}" type="datetimeFigureOut">
               <a:rPr lang="ko-KR" altLang="en-US" smtClean="0"/>
-              <a:t>2019-11-25</a:t>
+              <a:pPr/>
+              <a:t>2019-11-26</a:t>
             </a:fld>
             <a:endParaRPr lang="ko-KR" altLang="en-US"/>
           </a:p>
@@ -2520,6 +2542,7 @@
           <a:p>
             <a:fld id="{D68A3523-22AE-4F7D-93FD-290716C6B922}" type="slidenum">
               <a:rPr lang="ko-KR" altLang="en-US" smtClean="0"/>
+              <a:pPr/>
               <a:t>‹#›</a:t>
             </a:fld>
             <a:endParaRPr lang="ko-KR" altLang="en-US"/>
@@ -2686,7 +2709,8 @@
           <a:p>
             <a:fld id="{1AC90F4A-AB0E-4670-89B1-A0DAF52731A9}" type="datetimeFigureOut">
               <a:rPr lang="ko-KR" altLang="en-US" smtClean="0"/>
-              <a:t>2019-11-25</a:t>
+              <a:pPr/>
+              <a:t>2019-11-26</a:t>
             </a:fld>
             <a:endParaRPr lang="ko-KR" altLang="en-US"/>
           </a:p>
@@ -2764,6 +2788,7 @@
           <a:p>
             <a:fld id="{D68A3523-22AE-4F7D-93FD-290716C6B922}" type="slidenum">
               <a:rPr lang="ko-KR" altLang="en-US" smtClean="0"/>
+              <a:pPr/>
               <a:t>‹#›</a:t>
             </a:fld>
             <a:endParaRPr lang="ko-KR" altLang="en-US"/>
@@ -3075,11 +3100,7 @@
           <a:p>
             <a:r>
               <a:rPr lang="en-US" altLang="ko-KR" sz="4800" dirty="0" smtClean="0"/>
-              <a:t>Sleeping </a:t>
-            </a:r>
-            <a:r>
-              <a:rPr lang="en-US" altLang="ko-KR" sz="4800" dirty="0" smtClean="0"/>
-              <a:t>Analysis</a:t>
+              <a:t>Sleeping Analysis</a:t>
             </a:r>
             <a:endParaRPr lang="ko-KR" altLang="en-US" sz="4800" dirty="0"/>
           </a:p>
@@ -3811,7 +3832,7 @@
           <a:blip r:embed="rId2">
             <a:extLst>
               <a:ext uri="{28A0092B-C50C-407E-A947-70E740481C1C}">
-                <a14:useLocalDpi xmlns:a14="http://schemas.microsoft.com/office/drawing/2010/main" val="0"/>
+                <a14:useLocalDpi xmlns:a14="http://schemas.microsoft.com/office/drawing/2010/main" xmlns="" val="0"/>
               </a:ext>
             </a:extLst>
           </a:blip>
@@ -3841,7 +3862,7 @@
           <a:blip r:embed="rId3" cstate="print">
             <a:extLst>
               <a:ext uri="{28A0092B-C50C-407E-A947-70E740481C1C}">
-                <a14:useLocalDpi xmlns:a14="http://schemas.microsoft.com/office/drawing/2010/main" val="0"/>
+                <a14:useLocalDpi xmlns:a14="http://schemas.microsoft.com/office/drawing/2010/main" xmlns="" val="0"/>
               </a:ext>
             </a:extLst>
           </a:blip>
@@ -3861,7 +3882,7 @@
           <a:noFill/>
           <a:extLst>
             <a:ext uri="{909E8E84-426E-40DD-AFC4-6F175D3DCCD1}">
-              <a14:hiddenFill xmlns:a14="http://schemas.microsoft.com/office/drawing/2010/main">
+              <a14:hiddenFill xmlns:a14="http://schemas.microsoft.com/office/drawing/2010/main" xmlns="">
                 <a:solidFill>
                   <a:srgbClr val="FFFFFF"/>
                 </a:solidFill>
@@ -4418,6 +4439,69 @@
           </a:prstGeom>
         </p:spPr>
       </p:pic>
+    </p:spTree>
+  </p:cSld>
+  <p:clrMapOvr>
+    <a:masterClrMapping/>
+  </p:clrMapOvr>
+</p:sld>
+</file>
+
+<file path=ppt/slides/slide7.xml><?xml version="1.0" encoding="utf-8"?>
+<p:sld xmlns:a="http://schemas.openxmlformats.org/drawingml/2006/main" xmlns:r="http://schemas.openxmlformats.org/officeDocument/2006/relationships" xmlns:p="http://schemas.openxmlformats.org/presentationml/2006/main">
+  <p:cSld>
+    <p:spTree>
+      <p:nvGrpSpPr>
+        <p:cNvPr id="1" name=""/>
+        <p:cNvGrpSpPr/>
+        <p:nvPr/>
+      </p:nvGrpSpPr>
+      <p:grpSpPr>
+        <a:xfrm>
+          <a:off x="0" y="0"/>
+          <a:ext cx="0" cy="0"/>
+          <a:chOff x="0" y="0"/>
+          <a:chExt cx="0" cy="0"/>
+        </a:xfrm>
+      </p:grpSpPr>
+      <p:sp>
+        <p:nvSpPr>
+          <p:cNvPr id="2" name="제목 1"/>
+          <p:cNvSpPr>
+            <a:spLocks noGrp="1"/>
+          </p:cNvSpPr>
+          <p:nvPr>
+            <p:ph type="title"/>
+          </p:nvPr>
+        </p:nvSpPr>
+        <p:spPr/>
+        <p:txBody>
+          <a:bodyPr/>
+          <a:lstStyle/>
+          <a:p>
+            <a:endParaRPr lang="ko-KR" altLang="en-US"/>
+          </a:p>
+        </p:txBody>
+      </p:sp>
+      <p:sp>
+        <p:nvSpPr>
+          <p:cNvPr id="3" name="내용 개체 틀 2"/>
+          <p:cNvSpPr>
+            <a:spLocks noGrp="1"/>
+          </p:cNvSpPr>
+          <p:nvPr>
+            <p:ph idx="1"/>
+          </p:nvPr>
+        </p:nvSpPr>
+        <p:spPr/>
+        <p:txBody>
+          <a:bodyPr/>
+          <a:lstStyle/>
+          <a:p>
+            <a:endParaRPr lang="ko-KR" altLang="en-US"/>
+          </a:p>
+        </p:txBody>
+      </p:sp>
     </p:spTree>
   </p:cSld>
   <p:clrMapOvr>

--- a/Sleeping_Analysis 2주차.pptx
+++ b/Sleeping_Analysis 2주차.pptx
@@ -11,7 +11,6 @@
     <p:sldId id="258" r:id="rId5"/>
     <p:sldId id="260" r:id="rId6"/>
     <p:sldId id="261" r:id="rId7"/>
-    <p:sldId id="262" r:id="rId8"/>
   </p:sldIdLst>
   <p:sldSz cx="9144000" cy="6858000" type="screen4x3"/>
   <p:notesSz cx="6858000" cy="9144000"/>
@@ -112,7 +111,7 @@
   </p:defaultTextStyle>
   <p:extLst>
     <p:ext uri="{EFAFB233-063F-42B5-8137-9DF3F51BA10A}">
-      <p15:sldGuideLst xmlns:p15="http://schemas.microsoft.com/office/powerpoint/2012/main" xmlns="">
+      <p15:sldGuideLst xmlns:p15="http://schemas.microsoft.com/office/powerpoint/2012/main">
         <p15:guide id="1" orient="horz" pos="2160">
           <p15:clr>
             <a:srgbClr val="A4A3A4"/>
@@ -3832,7 +3831,7 @@
           <a:blip r:embed="rId2">
             <a:extLst>
               <a:ext uri="{28A0092B-C50C-407E-A947-70E740481C1C}">
-                <a14:useLocalDpi xmlns:a14="http://schemas.microsoft.com/office/drawing/2010/main" xmlns="" val="0"/>
+                <a14:useLocalDpi xmlns:a14="http://schemas.microsoft.com/office/drawing/2010/main" val="0"/>
               </a:ext>
             </a:extLst>
           </a:blip>
@@ -3862,7 +3861,7 @@
           <a:blip r:embed="rId3" cstate="print">
             <a:extLst>
               <a:ext uri="{28A0092B-C50C-407E-A947-70E740481C1C}">
-                <a14:useLocalDpi xmlns:a14="http://schemas.microsoft.com/office/drawing/2010/main" xmlns="" val="0"/>
+                <a14:useLocalDpi xmlns:a14="http://schemas.microsoft.com/office/drawing/2010/main" val="0"/>
               </a:ext>
             </a:extLst>
           </a:blip>
@@ -3882,7 +3881,7 @@
           <a:noFill/>
           <a:extLst>
             <a:ext uri="{909E8E84-426E-40DD-AFC4-6F175D3DCCD1}">
-              <a14:hiddenFill xmlns:a14="http://schemas.microsoft.com/office/drawing/2010/main" xmlns="">
+              <a14:hiddenFill xmlns:a14="http://schemas.microsoft.com/office/drawing/2010/main">
                 <a:solidFill>
                   <a:srgbClr val="FFFFFF"/>
                 </a:solidFill>
@@ -4439,69 +4438,6 @@
           </a:prstGeom>
         </p:spPr>
       </p:pic>
-    </p:spTree>
-  </p:cSld>
-  <p:clrMapOvr>
-    <a:masterClrMapping/>
-  </p:clrMapOvr>
-</p:sld>
-</file>
-
-<file path=ppt/slides/slide7.xml><?xml version="1.0" encoding="utf-8"?>
-<p:sld xmlns:a="http://schemas.openxmlformats.org/drawingml/2006/main" xmlns:r="http://schemas.openxmlformats.org/officeDocument/2006/relationships" xmlns:p="http://schemas.openxmlformats.org/presentationml/2006/main">
-  <p:cSld>
-    <p:spTree>
-      <p:nvGrpSpPr>
-        <p:cNvPr id="1" name=""/>
-        <p:cNvGrpSpPr/>
-        <p:nvPr/>
-      </p:nvGrpSpPr>
-      <p:grpSpPr>
-        <a:xfrm>
-          <a:off x="0" y="0"/>
-          <a:ext cx="0" cy="0"/>
-          <a:chOff x="0" y="0"/>
-          <a:chExt cx="0" cy="0"/>
-        </a:xfrm>
-      </p:grpSpPr>
-      <p:sp>
-        <p:nvSpPr>
-          <p:cNvPr id="2" name="제목 1"/>
-          <p:cNvSpPr>
-            <a:spLocks noGrp="1"/>
-          </p:cNvSpPr>
-          <p:nvPr>
-            <p:ph type="title"/>
-          </p:nvPr>
-        </p:nvSpPr>
-        <p:spPr/>
-        <p:txBody>
-          <a:bodyPr/>
-          <a:lstStyle/>
-          <a:p>
-            <a:endParaRPr lang="ko-KR" altLang="en-US"/>
-          </a:p>
-        </p:txBody>
-      </p:sp>
-      <p:sp>
-        <p:nvSpPr>
-          <p:cNvPr id="3" name="내용 개체 틀 2"/>
-          <p:cNvSpPr>
-            <a:spLocks noGrp="1"/>
-          </p:cNvSpPr>
-          <p:nvPr>
-            <p:ph idx="1"/>
-          </p:nvPr>
-        </p:nvSpPr>
-        <p:spPr/>
-        <p:txBody>
-          <a:bodyPr/>
-          <a:lstStyle/>
-          <a:p>
-            <a:endParaRPr lang="ko-KR" altLang="en-US"/>
-          </a:p>
-        </p:txBody>
-      </p:sp>
     </p:spTree>
   </p:cSld>
   <p:clrMapOvr>
